--- a/梯度下降（Gradient Descent）/梯度下降算法.pptx
+++ b/梯度下降（Gradient Descent）/梯度下降算法.pptx
@@ -211,7 +211,7 @@
           <a:p>
             <a:fld id="{3E6E1E63-6347-BD4F-A808-7F54FA34CE72}" type="datetimeFigureOut">
               <a:rPr kumimoji="1" lang="zh-CN" altLang="en-US" smtClean="0"/>
-              <a:t>2019/11/24</a:t>
+              <a:t>2019/11/25</a:t>
             </a:fld>
             <a:endParaRPr kumimoji="1" lang="zh-CN" altLang="en-US"/>
           </a:p>
@@ -10130,7 +10130,7 @@
         </p:nvSpPr>
         <p:spPr>
           <a:xfrm>
-            <a:off x="1574270" y="2287271"/>
+            <a:off x="1574270" y="2275079"/>
             <a:ext cx="4436006" cy="979804"/>
           </a:xfrm>
         </p:spPr>
@@ -11008,7 +11008,6 @@
               <a:rPr kumimoji="1" lang="zh-CN" altLang="en-US" dirty="0"/>
               <a:t>梯度下降的相关概念</a:t>
             </a:r>
-            <a:endParaRPr kumimoji="1" lang="zh-CN" altLang="en-US" dirty="0"/>
           </a:p>
         </p:txBody>
       </p:sp>
@@ -11220,7 +11219,7 @@
           <a:graphicData uri="http://schemas.openxmlformats.org/presentationml/2006/ole">
             <mc:AlternateContent xmlns:mc="http://schemas.openxmlformats.org/markup-compatibility/2006">
               <mc:Choice xmlns:v="urn:schemas-microsoft-com:vml" Requires="v">
-                <p:oleObj spid="_x0000_s1037" name="AxMath" r:id="rId3" imgW="1237680" imgH="229320" progId="Equation.AxMath">
+                <p:oleObj spid="_x0000_s1038" name="AxMath" r:id="rId3" imgW="1237680" imgH="229320" progId="Equation.AxMath">
                   <p:embed/>
                 </p:oleObj>
               </mc:Choice>
@@ -11255,8 +11254,8 @@
           </a:graphicData>
         </a:graphic>
       </p:graphicFrame>
-      <mc:AlternateContent xmlns:mc="http://schemas.openxmlformats.org/markup-compatibility/2006">
-        <mc:Choice xmlns:a14="http://schemas.microsoft.com/office/drawing/2010/main" Requires="a14">
+      <mc:AlternateContent xmlns:mc="http://schemas.openxmlformats.org/markup-compatibility/2006" xmlns:a14="http://schemas.microsoft.com/office/drawing/2010/main">
+        <mc:Choice Requires="a14">
           <p:sp>
             <p:nvSpPr>
               <p:cNvPr id="15" name="矩形 14"/>
@@ -11360,7 +11359,7 @@
             </p:txBody>
           </p:sp>
         </mc:Choice>
-        <mc:Fallback>
+        <mc:Fallback xmlns="">
           <p:sp>
             <p:nvSpPr>
               <p:cNvPr id="15" name="矩形 14"/>
